--- a/doc/mvc.pptx
+++ b/doc/mvc.pptx
@@ -288,7 +288,7 @@
           <a:p>
             <a:fld id="{6F778775-5360-40EF-8FEE-C42043591309}" type="datetimeFigureOut">
               <a:rPr lang="de-CH" smtClean="0"/>
-              <a:t>29.04.2013</a:t>
+              <a:t>26.03.2014</a:t>
             </a:fld>
             <a:endParaRPr lang="de-CH"/>
           </a:p>
@@ -458,7 +458,7 @@
           <a:p>
             <a:fld id="{6F778775-5360-40EF-8FEE-C42043591309}" type="datetimeFigureOut">
               <a:rPr lang="de-CH" smtClean="0"/>
-              <a:t>29.04.2013</a:t>
+              <a:t>26.03.2014</a:t>
             </a:fld>
             <a:endParaRPr lang="de-CH"/>
           </a:p>
@@ -638,7 +638,7 @@
           <a:p>
             <a:fld id="{6F778775-5360-40EF-8FEE-C42043591309}" type="datetimeFigureOut">
               <a:rPr lang="de-CH" smtClean="0"/>
-              <a:t>29.04.2013</a:t>
+              <a:t>26.03.2014</a:t>
             </a:fld>
             <a:endParaRPr lang="de-CH"/>
           </a:p>
@@ -808,7 +808,7 @@
           <a:p>
             <a:fld id="{6F778775-5360-40EF-8FEE-C42043591309}" type="datetimeFigureOut">
               <a:rPr lang="de-CH" smtClean="0"/>
-              <a:t>29.04.2013</a:t>
+              <a:t>26.03.2014</a:t>
             </a:fld>
             <a:endParaRPr lang="de-CH"/>
           </a:p>
@@ -1054,7 +1054,7 @@
           <a:p>
             <a:fld id="{6F778775-5360-40EF-8FEE-C42043591309}" type="datetimeFigureOut">
               <a:rPr lang="de-CH" smtClean="0"/>
-              <a:t>29.04.2013</a:t>
+              <a:t>26.03.2014</a:t>
             </a:fld>
             <a:endParaRPr lang="de-CH"/>
           </a:p>
@@ -1342,7 +1342,7 @@
           <a:p>
             <a:fld id="{6F778775-5360-40EF-8FEE-C42043591309}" type="datetimeFigureOut">
               <a:rPr lang="de-CH" smtClean="0"/>
-              <a:t>29.04.2013</a:t>
+              <a:t>26.03.2014</a:t>
             </a:fld>
             <a:endParaRPr lang="de-CH"/>
           </a:p>
@@ -1764,7 +1764,7 @@
           <a:p>
             <a:fld id="{6F778775-5360-40EF-8FEE-C42043591309}" type="datetimeFigureOut">
               <a:rPr lang="de-CH" smtClean="0"/>
-              <a:t>29.04.2013</a:t>
+              <a:t>26.03.2014</a:t>
             </a:fld>
             <a:endParaRPr lang="de-CH"/>
           </a:p>
@@ -1882,7 +1882,7 @@
           <a:p>
             <a:fld id="{6F778775-5360-40EF-8FEE-C42043591309}" type="datetimeFigureOut">
               <a:rPr lang="de-CH" smtClean="0"/>
-              <a:t>29.04.2013</a:t>
+              <a:t>26.03.2014</a:t>
             </a:fld>
             <a:endParaRPr lang="de-CH"/>
           </a:p>
@@ -1977,7 +1977,7 @@
           <a:p>
             <a:fld id="{6F778775-5360-40EF-8FEE-C42043591309}" type="datetimeFigureOut">
               <a:rPr lang="de-CH" smtClean="0"/>
-              <a:t>29.04.2013</a:t>
+              <a:t>26.03.2014</a:t>
             </a:fld>
             <a:endParaRPr lang="de-CH"/>
           </a:p>
@@ -2254,7 +2254,7 @@
           <a:p>
             <a:fld id="{6F778775-5360-40EF-8FEE-C42043591309}" type="datetimeFigureOut">
               <a:rPr lang="de-CH" smtClean="0"/>
-              <a:t>29.04.2013</a:t>
+              <a:t>26.03.2014</a:t>
             </a:fld>
             <a:endParaRPr lang="de-CH"/>
           </a:p>
@@ -2511,7 +2511,7 @@
           <a:p>
             <a:fld id="{6F778775-5360-40EF-8FEE-C42043591309}" type="datetimeFigureOut">
               <a:rPr lang="de-CH" smtClean="0"/>
-              <a:t>29.04.2013</a:t>
+              <a:t>26.03.2014</a:t>
             </a:fld>
             <a:endParaRPr lang="de-CH"/>
           </a:p>
@@ -2724,7 +2724,7 @@
           <a:p>
             <a:fld id="{6F778775-5360-40EF-8FEE-C42043591309}" type="datetimeFigureOut">
               <a:rPr lang="de-CH" smtClean="0"/>
-              <a:t>29.04.2013</a:t>
+              <a:t>26.03.2014</a:t>
             </a:fld>
             <a:endParaRPr lang="de-CH"/>
           </a:p>
@@ -4990,6 +4990,506 @@
           </p:txBody>
         </p:sp>
       </p:grpSp>
+      <p:grpSp>
+        <p:nvGrpSpPr>
+          <p:cNvPr id="4" name="Gruppieren 3"/>
+          <p:cNvGrpSpPr/>
+          <p:nvPr/>
+        </p:nvGrpSpPr>
+        <p:grpSpPr>
+          <a:xfrm>
+            <a:off x="5905292" y="3666137"/>
+            <a:ext cx="2401858" cy="1935898"/>
+            <a:chOff x="5905292" y="3666137"/>
+            <a:chExt cx="2401858" cy="1935898"/>
+          </a:xfrm>
+        </p:grpSpPr>
+        <p:sp>
+          <p:nvSpPr>
+            <p:cNvPr id="55" name="Abgerundetes Rechteck 54"/>
+            <p:cNvSpPr/>
+            <p:nvPr/>
+          </p:nvSpPr>
+          <p:spPr>
+            <a:xfrm>
+              <a:off x="6658669" y="3666137"/>
+              <a:ext cx="759175" cy="417546"/>
+            </a:xfrm>
+            <a:prstGeom prst="roundRect">
+              <a:avLst/>
+            </a:prstGeom>
+            <a:ln w="19050"/>
+          </p:spPr>
+          <p:style>
+            <a:lnRef idx="2">
+              <a:schemeClr val="dk1"/>
+            </a:lnRef>
+            <a:fillRef idx="1">
+              <a:schemeClr val="lt1"/>
+            </a:fillRef>
+            <a:effectRef idx="0">
+              <a:schemeClr val="dk1"/>
+            </a:effectRef>
+            <a:fontRef idx="minor">
+              <a:schemeClr val="dk1"/>
+            </a:fontRef>
+          </p:style>
+          <p:txBody>
+            <a:bodyPr rtlCol="0" anchor="ctr"/>
+            <a:lstStyle/>
+            <a:p>
+              <a:pPr algn="ctr"/>
+              <a:r>
+                <a:rPr lang="de-CH" sz="900" dirty="0" smtClean="0"/>
+                <a:t>Controller</a:t>
+              </a:r>
+              <a:endParaRPr lang="de-CH" sz="900" dirty="0"/>
+            </a:p>
+          </p:txBody>
+        </p:sp>
+        <p:sp>
+          <p:nvSpPr>
+            <p:cNvPr id="56" name="Abgerundetes Rechteck 55"/>
+            <p:cNvSpPr/>
+            <p:nvPr/>
+          </p:nvSpPr>
+          <p:spPr>
+            <a:xfrm>
+              <a:off x="6662830" y="5184489"/>
+              <a:ext cx="759175" cy="417546"/>
+            </a:xfrm>
+            <a:prstGeom prst="roundRect">
+              <a:avLst/>
+            </a:prstGeom>
+            <a:ln w="19050"/>
+          </p:spPr>
+          <p:style>
+            <a:lnRef idx="2">
+              <a:schemeClr val="dk1"/>
+            </a:lnRef>
+            <a:fillRef idx="1">
+              <a:schemeClr val="lt1"/>
+            </a:fillRef>
+            <a:effectRef idx="0">
+              <a:schemeClr val="dk1"/>
+            </a:effectRef>
+            <a:fontRef idx="minor">
+              <a:schemeClr val="dk1"/>
+            </a:fontRef>
+          </p:style>
+          <p:txBody>
+            <a:bodyPr rtlCol="0" anchor="ctr"/>
+            <a:lstStyle/>
+            <a:p>
+              <a:pPr algn="ctr"/>
+              <a:r>
+                <a:rPr lang="de-CH" sz="900" dirty="0" smtClean="0"/>
+                <a:t>Controller</a:t>
+              </a:r>
+              <a:endParaRPr lang="de-CH" sz="900" dirty="0"/>
+            </a:p>
+          </p:txBody>
+        </p:sp>
+        <p:sp>
+          <p:nvSpPr>
+            <p:cNvPr id="57" name="Abgerundetes Rechteck 56"/>
+            <p:cNvSpPr/>
+            <p:nvPr/>
+          </p:nvSpPr>
+          <p:spPr>
+            <a:xfrm>
+              <a:off x="5905292" y="4425312"/>
+              <a:ext cx="759175" cy="417547"/>
+            </a:xfrm>
+            <a:prstGeom prst="roundRect">
+              <a:avLst/>
+            </a:prstGeom>
+            <a:ln w="19050"/>
+          </p:spPr>
+          <p:style>
+            <a:lnRef idx="2">
+              <a:schemeClr val="dk1"/>
+            </a:lnRef>
+            <a:fillRef idx="1">
+              <a:schemeClr val="lt1"/>
+            </a:fillRef>
+            <a:effectRef idx="0">
+              <a:schemeClr val="dk1"/>
+            </a:effectRef>
+            <a:fontRef idx="minor">
+              <a:schemeClr val="dk1"/>
+            </a:fontRef>
+          </p:style>
+          <p:txBody>
+            <a:bodyPr rtlCol="0" anchor="ctr"/>
+            <a:lstStyle/>
+            <a:p>
+              <a:pPr algn="ctr"/>
+              <a:r>
+                <a:rPr lang="de-CH" sz="900" dirty="0" smtClean="0"/>
+                <a:t>Controller</a:t>
+              </a:r>
+              <a:endParaRPr lang="de-CH" sz="900" dirty="0"/>
+            </a:p>
+          </p:txBody>
+        </p:sp>
+        <p:cxnSp>
+          <p:nvCxnSpPr>
+            <p:cNvPr id="59" name="Gerade Verbindung 58"/>
+            <p:cNvCxnSpPr/>
+            <p:nvPr/>
+          </p:nvCxnSpPr>
+          <p:spPr>
+            <a:xfrm flipH="1">
+              <a:off x="7409519" y="3810153"/>
+              <a:ext cx="573544" cy="0"/>
+            </a:xfrm>
+            <a:prstGeom prst="line">
+              <a:avLst/>
+            </a:prstGeom>
+            <a:ln w="19050">
+              <a:solidFill>
+                <a:schemeClr val="accent2"/>
+              </a:solidFill>
+              <a:headEnd type="none" w="med" len="med"/>
+              <a:tailEnd type="triangle" w="lg" len="lg"/>
+            </a:ln>
+          </p:spPr>
+          <p:style>
+            <a:lnRef idx="1">
+              <a:schemeClr val="dk1"/>
+            </a:lnRef>
+            <a:fillRef idx="0">
+              <a:schemeClr val="dk1"/>
+            </a:fillRef>
+            <a:effectRef idx="0">
+              <a:schemeClr val="dk1"/>
+            </a:effectRef>
+            <a:fontRef idx="minor">
+              <a:schemeClr val="tx1"/>
+            </a:fontRef>
+          </p:style>
+        </p:cxnSp>
+        <p:cxnSp>
+          <p:nvCxnSpPr>
+            <p:cNvPr id="60" name="Gerade Verbindung 59"/>
+            <p:cNvCxnSpPr/>
+            <p:nvPr/>
+          </p:nvCxnSpPr>
+          <p:spPr>
+            <a:xfrm>
+              <a:off x="7413682" y="3921830"/>
+              <a:ext cx="565219" cy="0"/>
+            </a:xfrm>
+            <a:prstGeom prst="line">
+              <a:avLst/>
+            </a:prstGeom>
+            <a:ln w="19050">
+              <a:solidFill>
+                <a:schemeClr val="accent2"/>
+              </a:solidFill>
+              <a:headEnd type="none" w="med" len="med"/>
+              <a:tailEnd type="triangle" w="lg" len="lg"/>
+            </a:ln>
+          </p:spPr>
+          <p:style>
+            <a:lnRef idx="1">
+              <a:schemeClr val="dk1"/>
+            </a:lnRef>
+            <a:fillRef idx="0">
+              <a:schemeClr val="dk1"/>
+            </a:fillRef>
+            <a:effectRef idx="0">
+              <a:schemeClr val="dk1"/>
+            </a:effectRef>
+            <a:fontRef idx="minor">
+              <a:schemeClr val="tx1"/>
+            </a:fontRef>
+          </p:style>
+        </p:cxnSp>
+        <p:sp>
+          <p:nvSpPr>
+            <p:cNvPr id="63" name="Abgerundetes Rechteck 62"/>
+            <p:cNvSpPr/>
+            <p:nvPr/>
+          </p:nvSpPr>
+          <p:spPr>
+            <a:xfrm>
+              <a:off x="7987226" y="3666137"/>
+              <a:ext cx="319924" cy="1935898"/>
+            </a:xfrm>
+            <a:prstGeom prst="roundRect">
+              <a:avLst/>
+            </a:prstGeom>
+            <a:ln/>
+          </p:spPr>
+          <p:style>
+            <a:lnRef idx="2">
+              <a:schemeClr val="accent4"/>
+            </a:lnRef>
+            <a:fillRef idx="1">
+              <a:schemeClr val="lt1"/>
+            </a:fillRef>
+            <a:effectRef idx="0">
+              <a:schemeClr val="accent4"/>
+            </a:effectRef>
+            <a:fontRef idx="minor">
+              <a:schemeClr val="dk1"/>
+            </a:fontRef>
+          </p:style>
+          <p:txBody>
+            <a:bodyPr vert="vert" rtlCol="0" anchor="ctr"/>
+            <a:lstStyle/>
+            <a:p>
+              <a:pPr algn="ctr"/>
+              <a:r>
+                <a:rPr lang="de-CH" sz="1400" dirty="0" smtClean="0"/>
+                <a:t>Event Bus</a:t>
+              </a:r>
+              <a:endParaRPr lang="de-CH" sz="1400" dirty="0"/>
+            </a:p>
+          </p:txBody>
+        </p:sp>
+        <p:grpSp>
+          <p:nvGrpSpPr>
+            <p:cNvPr id="3" name="Gruppieren 2"/>
+            <p:cNvGrpSpPr/>
+            <p:nvPr/>
+          </p:nvGrpSpPr>
+          <p:grpSpPr>
+            <a:xfrm>
+              <a:off x="6658669" y="4556487"/>
+              <a:ext cx="1328556" cy="138382"/>
+              <a:chOff x="5773507" y="4583191"/>
+              <a:chExt cx="2213718" cy="111677"/>
+            </a:xfrm>
+          </p:grpSpPr>
+          <p:cxnSp>
+            <p:nvCxnSpPr>
+              <p:cNvPr id="64" name="Gerade Verbindung 63"/>
+              <p:cNvCxnSpPr/>
+              <p:nvPr/>
+            </p:nvCxnSpPr>
+            <p:spPr>
+              <a:xfrm flipH="1">
+                <a:off x="5773507" y="4583191"/>
+                <a:ext cx="2213718" cy="0"/>
+              </a:xfrm>
+              <a:prstGeom prst="line">
+                <a:avLst/>
+              </a:prstGeom>
+              <a:ln w="19050">
+                <a:solidFill>
+                  <a:schemeClr val="accent2"/>
+                </a:solidFill>
+                <a:headEnd type="none" w="med" len="med"/>
+                <a:tailEnd type="triangle" w="lg" len="lg"/>
+              </a:ln>
+            </p:spPr>
+            <p:style>
+              <a:lnRef idx="1">
+                <a:schemeClr val="dk1"/>
+              </a:lnRef>
+              <a:fillRef idx="0">
+                <a:schemeClr val="dk1"/>
+              </a:fillRef>
+              <a:effectRef idx="0">
+                <a:schemeClr val="dk1"/>
+              </a:effectRef>
+              <a:fontRef idx="minor">
+                <a:schemeClr val="tx1"/>
+              </a:fontRef>
+            </p:style>
+          </p:cxnSp>
+          <p:cxnSp>
+            <p:nvCxnSpPr>
+              <p:cNvPr id="65" name="Gerade Verbindung 64"/>
+              <p:cNvCxnSpPr/>
+              <p:nvPr/>
+            </p:nvCxnSpPr>
+            <p:spPr>
+              <a:xfrm>
+                <a:off x="5773507" y="4694868"/>
+                <a:ext cx="2209556" cy="0"/>
+              </a:xfrm>
+              <a:prstGeom prst="line">
+                <a:avLst/>
+              </a:prstGeom>
+              <a:ln w="19050">
+                <a:solidFill>
+                  <a:schemeClr val="accent2"/>
+                </a:solidFill>
+                <a:headEnd type="none" w="med" len="med"/>
+                <a:tailEnd type="triangle" w="lg" len="lg"/>
+              </a:ln>
+            </p:spPr>
+            <p:style>
+              <a:lnRef idx="1">
+                <a:schemeClr val="dk1"/>
+              </a:lnRef>
+              <a:fillRef idx="0">
+                <a:schemeClr val="dk1"/>
+              </a:fillRef>
+              <a:effectRef idx="0">
+                <a:schemeClr val="dk1"/>
+              </a:effectRef>
+              <a:fontRef idx="minor">
+                <a:schemeClr val="tx1"/>
+              </a:fontRef>
+            </p:style>
+          </p:cxnSp>
+        </p:grpSp>
+        <p:cxnSp>
+          <p:nvCxnSpPr>
+            <p:cNvPr id="66" name="Gerade Verbindung 65"/>
+            <p:cNvCxnSpPr/>
+            <p:nvPr/>
+          </p:nvCxnSpPr>
+          <p:spPr>
+            <a:xfrm flipH="1">
+              <a:off x="7422006" y="5354660"/>
+              <a:ext cx="573544" cy="0"/>
+            </a:xfrm>
+            <a:prstGeom prst="line">
+              <a:avLst/>
+            </a:prstGeom>
+            <a:ln w="19050">
+              <a:solidFill>
+                <a:schemeClr val="accent2"/>
+              </a:solidFill>
+              <a:headEnd type="none" w="med" len="med"/>
+              <a:tailEnd type="triangle" w="lg" len="lg"/>
+            </a:ln>
+          </p:spPr>
+          <p:style>
+            <a:lnRef idx="1">
+              <a:schemeClr val="dk1"/>
+            </a:lnRef>
+            <a:fillRef idx="0">
+              <a:schemeClr val="dk1"/>
+            </a:fillRef>
+            <a:effectRef idx="0">
+              <a:schemeClr val="dk1"/>
+            </a:effectRef>
+            <a:fontRef idx="minor">
+              <a:schemeClr val="tx1"/>
+            </a:fontRef>
+          </p:style>
+        </p:cxnSp>
+        <p:cxnSp>
+          <p:nvCxnSpPr>
+            <p:cNvPr id="69" name="Gerade Verbindung 68"/>
+            <p:cNvCxnSpPr/>
+            <p:nvPr/>
+          </p:nvCxnSpPr>
+          <p:spPr>
+            <a:xfrm>
+              <a:off x="7426169" y="5466337"/>
+              <a:ext cx="565219" cy="0"/>
+            </a:xfrm>
+            <a:prstGeom prst="line">
+              <a:avLst/>
+            </a:prstGeom>
+            <a:ln w="19050">
+              <a:solidFill>
+                <a:schemeClr val="accent2"/>
+              </a:solidFill>
+              <a:headEnd type="none" w="med" len="med"/>
+              <a:tailEnd type="triangle" w="lg" len="lg"/>
+            </a:ln>
+          </p:spPr>
+          <p:style>
+            <a:lnRef idx="1">
+              <a:schemeClr val="dk1"/>
+            </a:lnRef>
+            <a:fillRef idx="0">
+              <a:schemeClr val="dk1"/>
+            </a:fillRef>
+            <a:effectRef idx="0">
+              <a:schemeClr val="dk1"/>
+            </a:effectRef>
+            <a:fontRef idx="minor">
+              <a:schemeClr val="tx1"/>
+            </a:fontRef>
+          </p:style>
+        </p:cxnSp>
+        <p:sp>
+          <p:nvSpPr>
+            <p:cNvPr id="70" name="Textfeld 69"/>
+            <p:cNvSpPr txBox="1"/>
+            <p:nvPr/>
+          </p:nvSpPr>
+          <p:spPr>
+            <a:xfrm>
+              <a:off x="6921528" y="4344381"/>
+              <a:ext cx="1154293" cy="246221"/>
+            </a:xfrm>
+            <a:prstGeom prst="rect">
+              <a:avLst/>
+            </a:prstGeom>
+            <a:noFill/>
+          </p:spPr>
+          <p:txBody>
+            <a:bodyPr wrap="square" rtlCol="0">
+              <a:spAutoFit/>
+            </a:bodyPr>
+            <a:lstStyle/>
+            <a:p>
+              <a:r>
+                <a:rPr lang="de-CH" sz="1000" dirty="0" err="1" smtClean="0"/>
+                <a:t>receive</a:t>
+              </a:r>
+              <a:r>
+                <a:rPr lang="de-CH" sz="1000" dirty="0" smtClean="0"/>
+                <a:t> </a:t>
+              </a:r>
+              <a:r>
+                <a:rPr lang="de-CH" sz="1000" dirty="0" err="1" smtClean="0"/>
+                <a:t>event</a:t>
+              </a:r>
+              <a:endParaRPr lang="de-CH" sz="1000" dirty="0"/>
+            </a:p>
+          </p:txBody>
+        </p:sp>
+        <p:sp>
+          <p:nvSpPr>
+            <p:cNvPr id="72" name="Textfeld 71"/>
+            <p:cNvSpPr txBox="1"/>
+            <p:nvPr/>
+          </p:nvSpPr>
+          <p:spPr>
+            <a:xfrm>
+              <a:off x="7114427" y="4646786"/>
+              <a:ext cx="760675" cy="246221"/>
+            </a:xfrm>
+            <a:prstGeom prst="rect">
+              <a:avLst/>
+            </a:prstGeom>
+            <a:noFill/>
+          </p:spPr>
+          <p:txBody>
+            <a:bodyPr wrap="square" rtlCol="0">
+              <a:spAutoFit/>
+            </a:bodyPr>
+            <a:lstStyle/>
+            <a:p>
+              <a:r>
+                <a:rPr lang="de-CH" sz="1000" dirty="0" err="1" smtClean="0"/>
+                <a:t>fire</a:t>
+              </a:r>
+              <a:r>
+                <a:rPr lang="de-CH" sz="1000" dirty="0" smtClean="0"/>
+                <a:t> </a:t>
+              </a:r>
+              <a:r>
+                <a:rPr lang="de-CH" sz="1000" dirty="0" err="1" smtClean="0"/>
+                <a:t>event</a:t>
+              </a:r>
+              <a:endParaRPr lang="de-CH" sz="1000" dirty="0"/>
+            </a:p>
+          </p:txBody>
+        </p:sp>
+      </p:grpSp>
     </p:spTree>
     <p:extLst>
       <p:ext uri="{BB962C8B-B14F-4D97-AF65-F5344CB8AC3E}">
